--- a/output/mistral mistral/Imagenet training in minutes.pptx
+++ b/output/mistral mistral/Imagenet training in minutes.pptx
@@ -13,10 +13,6 @@
     <p:sldId id="260" r:id="rId8"/>
     <p:sldId id="261" r:id="rId9"/>
     <p:sldId id="262" r:id="rId10"/>
-    <p:sldId id="263" r:id="rId11"/>
-    <p:sldId id="264" r:id="rId12"/>
-    <p:sldId id="265" r:id="rId13"/>
-    <p:sldId id="266" r:id="rId14"/>
   </p:sldIdLst>
   <p:sldSz cx="9144000" cy="5143500"/>
   <p:notesSz cx="7559675" cy="10691812"/>
@@ -3287,7 +3283,7 @@
         <p:spPr>
           <a:xfrm>
             <a:off x="1005840" y="2465280"/>
-            <a:ext cx="7131240" cy="642600"/>
+            <a:ext cx="7130880" cy="642240"/>
           </a:xfrm>
           <a:prstGeom prst="rect">
             <a:avLst/>
@@ -3348,7 +3344,7 @@
         <p:spPr>
           <a:xfrm>
             <a:off x="3090240" y="3566160"/>
-            <a:ext cx="2760840" cy="360"/>
+            <a:ext cx="2760480" cy="360"/>
           </a:xfrm>
           <a:custGeom>
             <a:avLst/>
@@ -3401,8 +3397,8 @@
 </p:sld>
 </file>
 
-<file path=ppt/slides/slide10.xml><?xml version="1.0" encoding="utf-8"?>
-<p:sld xmlns:a="http://schemas.openxmlformats.org/drawingml/2006/main" xmlns:p="http://schemas.openxmlformats.org/presentationml/2006/main" xmlns:r="http://schemas.openxmlformats.org/officeDocument/2006/relationships">
+<file path=ppt/slides/slide2.xml><?xml version="1.0" encoding="utf-8"?>
+<p:sld xmlns:a="http://schemas.openxmlformats.org/drawingml/2006/main" xmlns:p="http://schemas.openxmlformats.org/presentationml/2006/main" xmlns:r="http://schemas.openxmlformats.org/officeDocument/2006/relationships" xmlns:p14="http://schemas.microsoft.com/office/powerpoint/2010/main" xmlns:p15="http://schemas.microsoft.com/office/powerpoint/2012/main" xmlns:mc="http://schemas.openxmlformats.org/markup-compatibility/2006">
   <p:cSld>
     <p:spTree>
       <p:nvGrpSpPr>
@@ -3410,7 +3406,14 @@
         <p:cNvGrpSpPr/>
         <p:nvPr/>
       </p:nvGrpSpPr>
-      <p:grpSpPr/>
+      <p:grpSpPr>
+        <a:xfrm>
+          <a:off x="0" y="0"/>
+          <a:ext cx="0" cy="0"/>
+          <a:chOff x="0" y="0"/>
+          <a:chExt cx="0" cy="0"/>
+        </a:xfrm>
+      </p:grpSpPr>
       <p:sp>
         <p:nvSpPr>
           <p:cNvPr id="78" name="CustomShape 1"/>
@@ -3420,7 +3423,7 @@
         <p:spPr>
           <a:xfrm>
             <a:off x="938520" y="444960"/>
-            <a:ext cx="5733720" cy="939240"/>
+            <a:ext cx="5733360" cy="938880"/>
           </a:xfrm>
           <a:prstGeom prst="rect">
             <a:avLst/>
@@ -3457,7 +3460,17 @@
                 <a:latin typeface="Montserrat ExtraBold"/>
                 <a:ea typeface="Montserrat ExtraBold"/>
               </a:rPr>
-              <a:t>Impact of Data Augmentation on Accuracy</a:t>
+              <a:t> </a:t>
+            </a:r>
+            <a:r>
+              <a:rPr b="0" lang="en" sz="2400" spc="-1" strike="noStrike">
+                <a:solidFill>
+                  <a:srgbClr val="ffab40"/>
+                </a:solidFill>
+                <a:latin typeface="Montserrat ExtraBold"/>
+                <a:ea typeface="Montserrat ExtraBold"/>
+              </a:rPr>
+              <a:t>Title: Introduction to Large Batch Size Training with LARS in Deep Neural Networks</a:t>
             </a:r>
             <a:endParaRPr b="0" lang="en-US" sz="2400" spc="-1" strike="noStrike">
               <a:latin typeface="Arial"/>
@@ -3474,7 +3487,7 @@
         <p:spPr>
           <a:xfrm>
             <a:off x="914400" y="1280160"/>
-            <a:ext cx="6924240" cy="2925000"/>
+            <a:ext cx="6923880" cy="2924640"/>
           </a:xfrm>
           <a:prstGeom prst="rect">
             <a:avLst/>
@@ -3494,6 +3507,61 @@
           <a:bodyPr lIns="90000" rIns="90000" tIns="91440" bIns="91440">
             <a:noAutofit/>
           </a:bodyPr>
+          <a:p>
+            <a:endParaRPr b="0" lang="en-US" sz="1800" spc="-1" strike="noStrike">
+              <a:latin typeface="Arial"/>
+            </a:endParaRPr>
+          </a:p>
+          <a:p>
+            <a:r>
+              <a:rPr b="0" lang="en" sz="2000" spc="-1" strike="noStrike">
+                <a:solidFill>
+                  <a:srgbClr val="ffffff"/>
+                </a:solidFill>
+                <a:latin typeface="Montserrat"/>
+                <a:ea typeface="Montserrat"/>
+              </a:rPr>
+              <a:t>- Exploring the use of Large Batch Size Training and LARS algorithm for scaling up DNNs on ImageNet using large numbers of processors.</a:t>
+            </a:r>
+            <a:endParaRPr b="0" lang="en-US" sz="2000" spc="-1" strike="noStrike">
+              <a:latin typeface="Arial"/>
+            </a:endParaRPr>
+          </a:p>
+          <a:p>
+            <a:r>
+              <a:rPr b="0" lang="en" sz="2000" spc="-1" strike="noStrike">
+                <a:solidFill>
+                  <a:srgbClr val="ffffff"/>
+                </a:solidFill>
+                <a:latin typeface="Montserrat"/>
+                <a:ea typeface="Montserrat"/>
+              </a:rPr>
+              <a:t>- Benefits of large batch training for DNN models like AlexNet and ResNet-50, including reduced communication volume and improved scalability.</a:t>
+            </a:r>
+            <a:endParaRPr b="0" lang="en-US" sz="2000" spc="-1" strike="noStrike">
+              <a:latin typeface="Arial"/>
+            </a:endParaRPr>
+          </a:p>
+          <a:p>
+            <a:r>
+              <a:rPr b="0" lang="en" sz="2000" spc="-1" strike="noStrike">
+                <a:solidFill>
+                  <a:srgbClr val="ffffff"/>
+                </a:solidFill>
+                <a:latin typeface="Montserrat"/>
+                <a:ea typeface="Montserrat"/>
+              </a:rPr>
+              <a:t>- Need for adjustments to learning rates or techniques like linear scaling or warmup schemes with larger batch sizes.</a:t>
+            </a:r>
+            <a:endParaRPr b="0" lang="en-US" sz="2000" spc="-1" strike="noStrike">
+              <a:latin typeface="Arial"/>
+            </a:endParaRPr>
+          </a:p>
+          <a:p>
+            <a:endParaRPr b="0" lang="en-US" sz="2000" spc="-1" strike="noStrike">
+              <a:latin typeface="Arial"/>
+            </a:endParaRPr>
+          </a:p>
           <a:p>
             <a:pPr>
               <a:lnSpc>
@@ -3503,16 +3571,6 @@
                 <a:tab algn="l" pos="0"/>
               </a:tabLst>
             </a:pPr>
-            <a:r>
-              <a:rPr b="0" lang="en" sz="2000" spc="-1" strike="noStrike">
-                <a:solidFill>
-                  <a:srgbClr val="ffffff"/>
-                </a:solidFill>
-                <a:latin typeface="Montserrat"/>
-                <a:ea typeface="Montserrat"/>
-              </a:rPr>
-              <a:t>Exploring the impact of data augmentation on training accuracy and the optimization of batch sizes for achieving desired results.</a:t>
-            </a:r>
             <a:endParaRPr b="0" lang="en-US" sz="2000" spc="-1" strike="noStrike">
               <a:latin typeface="Arial"/>
             </a:endParaRPr>
@@ -3557,7 +3615,7 @@
         <p:spPr>
           <a:xfrm>
             <a:off x="1026360" y="414000"/>
-            <a:ext cx="2760840" cy="360"/>
+            <a:ext cx="2760480" cy="360"/>
           </a:xfrm>
           <a:custGeom>
             <a:avLst/>
@@ -3599,14 +3657,19 @@
       </p:sp>
     </p:spTree>
   </p:cSld>
-  <p:clrMapOvr>
-    <a:masterClrMapping/>
-  </p:clrMapOvr>
+  <mc:AlternateContent>
+    <mc:Choice Requires="p14">
+      <p:transition spd="slow" p14:dur="2000"/>
+    </mc:Choice>
+    <mc:Fallback>
+      <p:transition spd="slow"/>
+    </mc:Fallback>
+  </mc:AlternateContent>
 </p:sld>
 </file>
 
-<file path=ppt/slides/slide11.xml><?xml version="1.0" encoding="utf-8"?>
-<p:sld xmlns:a="http://schemas.openxmlformats.org/drawingml/2006/main" xmlns:p="http://schemas.openxmlformats.org/presentationml/2006/main" xmlns:r="http://schemas.openxmlformats.org/officeDocument/2006/relationships">
+<file path=ppt/slides/slide3.xml><?xml version="1.0" encoding="utf-8"?>
+<p:sld xmlns:a="http://schemas.openxmlformats.org/drawingml/2006/main" xmlns:p="http://schemas.openxmlformats.org/presentationml/2006/main" xmlns:r="http://schemas.openxmlformats.org/officeDocument/2006/relationships" xmlns:p14="http://schemas.microsoft.com/office/powerpoint/2010/main" xmlns:p15="http://schemas.microsoft.com/office/powerpoint/2012/main" xmlns:mc="http://schemas.openxmlformats.org/markup-compatibility/2006">
   <p:cSld>
     <p:spTree>
       <p:nvGrpSpPr>
@@ -3614,17 +3677,24 @@
         <p:cNvGrpSpPr/>
         <p:nvPr/>
       </p:nvGrpSpPr>
-      <p:grpSpPr/>
-      <p:sp>
-        <p:nvSpPr>
-          <p:cNvPr id="78" name="CustomShape 1"/>
+      <p:grpSpPr>
+        <a:xfrm>
+          <a:off x="0" y="0"/>
+          <a:ext cx="0" cy="0"/>
+          <a:chOff x="0" y="0"/>
+          <a:chExt cx="0" cy="0"/>
+        </a:xfrm>
+      </p:grpSpPr>
+      <p:sp>
+        <p:nvSpPr>
+          <p:cNvPr id="81" name="CustomShape 1"/>
           <p:cNvSpPr/>
           <p:nvPr/>
         </p:nvSpPr>
         <p:spPr>
           <a:xfrm>
             <a:off x="938520" y="444960"/>
-            <a:ext cx="5733720" cy="939240"/>
+            <a:ext cx="5733360" cy="938880"/>
           </a:xfrm>
           <a:prstGeom prst="rect">
             <a:avLst/>
@@ -3661,7 +3731,17 @@
                 <a:latin typeface="Montserrat ExtraBold"/>
                 <a:ea typeface="Montserrat ExtraBold"/>
               </a:rPr>
-              <a:t>Future Directions and Acknowledgments</a:t>
+              <a:t> </a:t>
+            </a:r>
+            <a:r>
+              <a:rPr b="0" lang="en" sz="2400" spc="-1" strike="noStrike">
+                <a:solidFill>
+                  <a:srgbClr val="ffab40"/>
+                </a:solidFill>
+                <a:latin typeface="Montserrat ExtraBold"/>
+                <a:ea typeface="Montserrat ExtraBold"/>
+              </a:rPr>
+              <a:t>Background: Large Batch Training in Deep Learning</a:t>
             </a:r>
             <a:endParaRPr b="0" lang="en-US" sz="2400" spc="-1" strike="noStrike">
               <a:latin typeface="Arial"/>
@@ -3671,14 +3751,14 @@
       </p:sp>
       <p:sp>
         <p:nvSpPr>
-          <p:cNvPr id="79" name="CustomShape 2"/>
+          <p:cNvPr id="82" name="CustomShape 2"/>
           <p:cNvSpPr/>
           <p:nvPr/>
         </p:nvSpPr>
         <p:spPr>
           <a:xfrm>
             <a:off x="914400" y="1280160"/>
-            <a:ext cx="6924240" cy="2925000"/>
+            <a:ext cx="6923880" cy="2924640"/>
           </a:xfrm>
           <a:prstGeom prst="rect">
             <a:avLst/>
@@ -3698,6 +3778,61 @@
           <a:bodyPr lIns="90000" rIns="90000" tIns="91440" bIns="91440">
             <a:noAutofit/>
           </a:bodyPr>
+          <a:p>
+            <a:endParaRPr b="0" lang="en-US" sz="1800" spc="-1" strike="noStrike">
+              <a:latin typeface="Arial"/>
+            </a:endParaRPr>
+          </a:p>
+          <a:p>
+            <a:r>
+              <a:rPr b="0" lang="en" sz="2000" spc="-1" strike="noStrike">
+                <a:solidFill>
+                  <a:srgbClr val="ffffff"/>
+                </a:solidFill>
+                <a:latin typeface="Montserrat"/>
+                <a:ea typeface="Montserrat"/>
+              </a:rPr>
+              <a:t>- Large batch sizes can lead to increased scaling efficiency and faster training times.</a:t>
+            </a:r>
+            <a:endParaRPr b="0" lang="en-US" sz="2000" spc="-1" strike="noStrike">
+              <a:latin typeface="Arial"/>
+            </a:endParaRPr>
+          </a:p>
+          <a:p>
+            <a:r>
+              <a:rPr b="0" lang="en" sz="2000" spc="-1" strike="noStrike">
+                <a:solidFill>
+                  <a:srgbClr val="ffffff"/>
+                </a:solidFill>
+                <a:latin typeface="Montserrat"/>
+                <a:ea typeface="Montserrat"/>
+              </a:rPr>
+              <a:t>- Comparison of Facebook's method to Codreanu et al.'s approach for training DNNs on large batches.</a:t>
+            </a:r>
+            <a:endParaRPr b="0" lang="en-US" sz="2000" spc="-1" strike="noStrike">
+              <a:latin typeface="Arial"/>
+            </a:endParaRPr>
+          </a:p>
+          <a:p>
+            <a:r>
+              <a:rPr b="0" lang="en" sz="2000" spc="-1" strike="noStrike">
+                <a:solidFill>
+                  <a:srgbClr val="ffffff"/>
+                </a:solidFill>
+                <a:latin typeface="Montserrat"/>
+                <a:ea typeface="Montserrat"/>
+              </a:rPr>
+              <a:t>- Importance of data augmentation in achieving higher scaling efficiency.</a:t>
+            </a:r>
+            <a:endParaRPr b="0" lang="en-US" sz="2000" spc="-1" strike="noStrike">
+              <a:latin typeface="Arial"/>
+            </a:endParaRPr>
+          </a:p>
+          <a:p>
+            <a:endParaRPr b="0" lang="en-US" sz="2000" spc="-1" strike="noStrike">
+              <a:latin typeface="Arial"/>
+            </a:endParaRPr>
+          </a:p>
           <a:p>
             <a:pPr>
               <a:lnSpc>
@@ -3707,16 +3842,6 @@
                 <a:tab algn="l" pos="0"/>
               </a:tabLst>
             </a:pPr>
-            <a:r>
-              <a:rPr b="0" lang="en" sz="2000" spc="-1" strike="noStrike">
-                <a:solidFill>
-                  <a:srgbClr val="ffffff"/>
-                </a:solidFill>
-                <a:latin typeface="Montserrat"/>
-                <a:ea typeface="Montserrat"/>
-              </a:rPr>
-              <a:t>Outlining potential future research directions and acknowledging support from various organizations and foundations.</a:t>
-            </a:r>
             <a:endParaRPr b="0" lang="en-US" sz="2000" spc="-1" strike="noStrike">
               <a:latin typeface="Arial"/>
             </a:endParaRPr>
@@ -3754,14 +3879,14 @@
       </p:sp>
       <p:sp>
         <p:nvSpPr>
-          <p:cNvPr id="80" name="CustomShape 3"/>
+          <p:cNvPr id="83" name="CustomShape 3"/>
           <p:cNvSpPr/>
           <p:nvPr/>
         </p:nvSpPr>
         <p:spPr>
           <a:xfrm>
             <a:off x="1026360" y="414000"/>
-            <a:ext cx="2760840" cy="360"/>
+            <a:ext cx="2760480" cy="360"/>
           </a:xfrm>
           <a:custGeom>
             <a:avLst/>
@@ -3803,13 +3928,18 @@
       </p:sp>
     </p:spTree>
   </p:cSld>
-  <p:clrMapOvr>
-    <a:masterClrMapping/>
-  </p:clrMapOvr>
+  <mc:AlternateContent>
+    <mc:Choice Requires="p14">
+      <p:transition spd="slow" p14:dur="2000"/>
+    </mc:Choice>
+    <mc:Fallback>
+      <p:transition spd="slow"/>
+    </mc:Fallback>
+  </mc:AlternateContent>
 </p:sld>
 </file>
 
-<file path=ppt/slides/slide2.xml><?xml version="1.0" encoding="utf-8"?>
+<file path=ppt/slides/slide4.xml><?xml version="1.0" encoding="utf-8"?>
 <p:sld xmlns:a="http://schemas.openxmlformats.org/drawingml/2006/main" xmlns:p="http://schemas.openxmlformats.org/presentationml/2006/main" xmlns:r="http://schemas.openxmlformats.org/officeDocument/2006/relationships" xmlns:p14="http://schemas.microsoft.com/office/powerpoint/2010/main" xmlns:p15="http://schemas.microsoft.com/office/powerpoint/2012/main" xmlns:mc="http://schemas.openxmlformats.org/markup-compatibility/2006">
   <p:cSld>
     <p:spTree>
@@ -3828,14 +3958,14 @@
       </p:grpSpPr>
       <p:sp>
         <p:nvSpPr>
-          <p:cNvPr id="78" name="CustomShape 1"/>
+          <p:cNvPr id="84" name="CustomShape 1"/>
           <p:cNvSpPr/>
           <p:nvPr/>
         </p:nvSpPr>
         <p:spPr>
           <a:xfrm>
             <a:off x="938520" y="444960"/>
-            <a:ext cx="5733720" cy="939240"/>
+            <a:ext cx="5733360" cy="938880"/>
           </a:xfrm>
           <a:prstGeom prst="rect">
             <a:avLst/>
@@ -3872,43 +4002,22 @@
                 <a:latin typeface="Montserrat ExtraBold"/>
                 <a:ea typeface="Montserrat ExtraBold"/>
               </a:rPr>
-              <a:t>Introduction to Deep Neural Networks and ImageNet Benchmark</a:t>
+              <a:t> </a:t>
+            </a:r>
+            <a:r>
+              <a:rPr b="0" lang="en" sz="2400" spc="-1" strike="noStrike">
+                <a:solidFill>
+                  <a:srgbClr val="ffab40"/>
+                </a:solidFill>
+                <a:latin typeface="Montserrat ExtraBold"/>
+                <a:ea typeface="Montserrat ExtraBold"/>
+              </a:rPr>
+              <a:t>Scaling Deep Learning Models with Large Batches and High-Performance Computing Systems</a:t>
             </a:r>
             <a:endParaRPr b="0" lang="en-US" sz="2400" spc="-1" strike="noStrike">
               <a:latin typeface="Arial"/>
             </a:endParaRPr>
           </a:p>
-        </p:txBody>
-      </p:sp>
-      <p:sp>
-        <p:nvSpPr>
-          <p:cNvPr id="79" name="CustomShape 2"/>
-          <p:cNvSpPr/>
-          <p:nvPr/>
-        </p:nvSpPr>
-        <p:spPr>
-          <a:xfrm>
-            <a:off x="914400" y="1280160"/>
-            <a:ext cx="6924240" cy="2925000"/>
-          </a:xfrm>
-          <a:prstGeom prst="rect">
-            <a:avLst/>
-          </a:prstGeom>
-          <a:noFill/>
-          <a:ln>
-            <a:noFill/>
-          </a:ln>
-        </p:spPr>
-        <p:style>
-          <a:lnRef idx="0"/>
-          <a:fillRef idx="0"/>
-          <a:effectRef idx="0"/>
-          <a:fontRef idx="minor"/>
-        </p:style>
-        <p:txBody>
-          <a:bodyPr lIns="90000" rIns="90000" tIns="91440" bIns="91440">
-            <a:noAutofit/>
-          </a:bodyPr>
           <a:p>
             <a:pPr>
               <a:lnSpc>
@@ -3918,6 +4027,47 @@
                 <a:tab algn="l" pos="0"/>
               </a:tabLst>
             </a:pPr>
+            <a:endParaRPr b="0" lang="en-US" sz="2400" spc="-1" strike="noStrike">
+              <a:latin typeface="Arial"/>
+            </a:endParaRPr>
+          </a:p>
+        </p:txBody>
+      </p:sp>
+      <p:sp>
+        <p:nvSpPr>
+          <p:cNvPr id="85" name="CustomShape 2"/>
+          <p:cNvSpPr/>
+          <p:nvPr/>
+        </p:nvSpPr>
+        <p:spPr>
+          <a:xfrm>
+            <a:off x="914400" y="1280160"/>
+            <a:ext cx="6923880" cy="2924640"/>
+          </a:xfrm>
+          <a:prstGeom prst="rect">
+            <a:avLst/>
+          </a:prstGeom>
+          <a:noFill/>
+          <a:ln>
+            <a:noFill/>
+          </a:ln>
+        </p:spPr>
+        <p:style>
+          <a:lnRef idx="0"/>
+          <a:fillRef idx="0"/>
+          <a:effectRef idx="0"/>
+          <a:fontRef idx="minor"/>
+        </p:style>
+        <p:txBody>
+          <a:bodyPr lIns="90000" rIns="90000" tIns="91440" bIns="91440">
+            <a:noAutofit/>
+          </a:bodyPr>
+          <a:p>
+            <a:endParaRPr b="0" lang="en-US" sz="1800" spc="-1" strike="noStrike">
+              <a:latin typeface="Arial"/>
+            </a:endParaRPr>
+          </a:p>
+          <a:p>
             <a:r>
               <a:rPr b="0" lang="en" sz="2000" spc="-1" strike="noStrike">
                 <a:solidFill>
@@ -3926,8 +4076,56 @@
                 <a:latin typeface="Montserrat"/>
                 <a:ea typeface="Montserrat"/>
               </a:rPr>
-              <a:t>Overview of ImageNet-1k benchmark set and the significance of deep neural net models in various industries.</a:t>
+              <a:t>- Research on scaling deep learning models using large batch sizes and high-performance computing systems.</a:t>
             </a:r>
+            <a:endParaRPr b="0" lang="en-US" sz="2000" spc="-1" strike="noStrike">
+              <a:latin typeface="Arial"/>
+            </a:endParaRPr>
+          </a:p>
+          <a:p>
+            <a:r>
+              <a:rPr b="0" lang="en" sz="2000" spc="-1" strike="noStrike">
+                <a:solidFill>
+                  <a:srgbClr val="ffffff"/>
+                </a:solidFill>
+                <a:latin typeface="Montserrat"/>
+                <a:ea typeface="Montserrat"/>
+              </a:rPr>
+              <a:t>- Achievements of Facebook researchers, including training ResNet-50 with a batch size of 32K on Intel Skylake CPUs.</a:t>
+            </a:r>
+            <a:endParaRPr b="0" lang="en-US" sz="2000" spc="-1" strike="noStrike">
+              <a:latin typeface="Arial"/>
+            </a:endParaRPr>
+          </a:p>
+          <a:p>
+            <a:r>
+              <a:rPr b="0" lang="en" sz="2000" spc="-1" strike="noStrike">
+                <a:solidFill>
+                  <a:srgbClr val="ffffff"/>
+                </a:solidFill>
+                <a:latin typeface="Montserrat"/>
+                <a:ea typeface="Montserrat"/>
+              </a:rPr>
+              <a:t>- Impact of data augmentation on the results.</a:t>
+            </a:r>
+            <a:endParaRPr b="0" lang="en-US" sz="2000" spc="-1" strike="noStrike">
+              <a:latin typeface="Arial"/>
+            </a:endParaRPr>
+          </a:p>
+          <a:p>
+            <a:endParaRPr b="0" lang="en-US" sz="2000" spc="-1" strike="noStrike">
+              <a:latin typeface="Arial"/>
+            </a:endParaRPr>
+          </a:p>
+          <a:p>
+            <a:pPr>
+              <a:lnSpc>
+                <a:spcPct val="100000"/>
+              </a:lnSpc>
+              <a:tabLst>
+                <a:tab algn="l" pos="0"/>
+              </a:tabLst>
+            </a:pPr>
             <a:endParaRPr b="0" lang="en-US" sz="2000" spc="-1" strike="noStrike">
               <a:latin typeface="Arial"/>
             </a:endParaRPr>
@@ -3965,14 +4163,14 @@
       </p:sp>
       <p:sp>
         <p:nvSpPr>
-          <p:cNvPr id="80" name="CustomShape 3"/>
+          <p:cNvPr id="86" name="CustomShape 3"/>
           <p:cNvSpPr/>
           <p:nvPr/>
         </p:nvSpPr>
         <p:spPr>
           <a:xfrm>
             <a:off x="1026360" y="414000"/>
-            <a:ext cx="2760840" cy="360"/>
+            <a:ext cx="2760480" cy="360"/>
           </a:xfrm>
           <a:custGeom>
             <a:avLst/>
@@ -4025,8 +4223,8 @@
 </p:sld>
 </file>
 
-<file path=ppt/slides/slide3.xml><?xml version="1.0" encoding="utf-8"?>
-<p:sld xmlns:a="http://schemas.openxmlformats.org/drawingml/2006/main" xmlns:p="http://schemas.openxmlformats.org/presentationml/2006/main" xmlns:r="http://schemas.openxmlformats.org/officeDocument/2006/relationships">
+<file path=ppt/slides/slide5.xml><?xml version="1.0" encoding="utf-8"?>
+<p:sld xmlns:a="http://schemas.openxmlformats.org/drawingml/2006/main" xmlns:p="http://schemas.openxmlformats.org/presentationml/2006/main" xmlns:r="http://schemas.openxmlformats.org/officeDocument/2006/relationships" xmlns:p14="http://schemas.microsoft.com/office/powerpoint/2010/main" xmlns:p15="http://schemas.microsoft.com/office/powerpoint/2012/main" xmlns:mc="http://schemas.openxmlformats.org/markup-compatibility/2006">
   <p:cSld>
     <p:spTree>
       <p:nvGrpSpPr>
@@ -4034,17 +4232,24 @@
         <p:cNvGrpSpPr/>
         <p:nvPr/>
       </p:nvGrpSpPr>
-      <p:grpSpPr/>
-      <p:sp>
-        <p:nvSpPr>
-          <p:cNvPr id="78" name="CustomShape 1"/>
+      <p:grpSpPr>
+        <a:xfrm>
+          <a:off x="0" y="0"/>
+          <a:ext cx="0" cy="0"/>
+          <a:chOff x="0" y="0"/>
+          <a:chExt cx="0" cy="0"/>
+        </a:xfrm>
+      </p:grpSpPr>
+      <p:sp>
+        <p:nvSpPr>
+          <p:cNvPr id="87" name="CustomShape 1"/>
           <p:cNvSpPr/>
           <p:nvPr/>
         </p:nvSpPr>
         <p:spPr>
           <a:xfrm>
             <a:off x="938520" y="444960"/>
-            <a:ext cx="5733720" cy="939240"/>
+            <a:ext cx="5733360" cy="938880"/>
           </a:xfrm>
           <a:prstGeom prst="rect">
             <a:avLst/>
@@ -4081,7 +4286,17 @@
                 <a:latin typeface="Montserrat ExtraBold"/>
                 <a:ea typeface="Montserrat ExtraBold"/>
               </a:rPr>
-              <a:t>Training Deep Neural Networks on Supercomputers</a:t>
+              <a:t> </a:t>
+            </a:r>
+            <a:r>
+              <a:rPr b="0" lang="en" sz="2400" spc="-1" strike="noStrike">
+                <a:solidFill>
+                  <a:srgbClr val="ffab40"/>
+                </a:solidFill>
+                <a:latin typeface="Montserrat ExtraBold"/>
+                <a:ea typeface="Montserrat ExtraBold"/>
+              </a:rPr>
+              <a:t>Related Work: Large-Scale Distributed Deep Networks and Parallelizing Convolutional Neural Networks</a:t>
             </a:r>
             <a:endParaRPr b="0" lang="en-US" sz="2400" spc="-1" strike="noStrike">
               <a:latin typeface="Arial"/>
@@ -4091,14 +4306,14 @@
       </p:sp>
       <p:sp>
         <p:nvSpPr>
-          <p:cNvPr id="79" name="CustomShape 2"/>
+          <p:cNvPr id="88" name="CustomShape 2"/>
           <p:cNvSpPr/>
           <p:nvPr/>
         </p:nvSpPr>
         <p:spPr>
           <a:xfrm>
             <a:off x="914400" y="1280160"/>
-            <a:ext cx="6924240" cy="2925000"/>
+            <a:ext cx="6923880" cy="2924640"/>
           </a:xfrm>
           <a:prstGeom prst="rect">
             <a:avLst/>
@@ -4118,6 +4333,46 @@
           <a:bodyPr lIns="90000" rIns="90000" tIns="91440" bIns="91440">
             <a:noAutofit/>
           </a:bodyPr>
+          <a:p>
+            <a:endParaRPr b="0" lang="en-US" sz="1800" spc="-1" strike="noStrike">
+              <a:latin typeface="Arial"/>
+            </a:endParaRPr>
+          </a:p>
+          <a:p>
+            <a:r>
+              <a:rPr b="0" lang="en" sz="2000" spc="-1" strike="noStrike">
+                <a:solidFill>
+                  <a:srgbClr val="ffffff"/>
+                </a:solidFill>
+                <a:latin typeface="Montserrat"/>
+                <a:ea typeface="Montserrat"/>
+              </a:rPr>
+              <a:t>- Techniques for scaling deep learning models using large batch sizes and distributed training.</a:t>
+            </a:r>
+            <a:endParaRPr b="0" lang="en-US" sz="2000" spc="-1" strike="noStrike">
+              <a:latin typeface="Arial"/>
+            </a:endParaRPr>
+          </a:p>
+          <a:p>
+            <a:r>
+              <a:rPr b="0" lang="en" sz="2000" spc="-1" strike="noStrike">
+                <a:solidFill>
+                  <a:srgbClr val="ffffff"/>
+                </a:solidFill>
+                <a:latin typeface="Montserrat"/>
+                <a:ea typeface="Montserrat"/>
+              </a:rPr>
+              <a:t>- Parallelizing convolutional neural networks to improve performance.</a:t>
+            </a:r>
+            <a:endParaRPr b="0" lang="en-US" sz="2000" spc="-1" strike="noStrike">
+              <a:latin typeface="Arial"/>
+            </a:endParaRPr>
+          </a:p>
+          <a:p>
+            <a:endParaRPr b="0" lang="en-US" sz="2000" spc="-1" strike="noStrike">
+              <a:latin typeface="Arial"/>
+            </a:endParaRPr>
+          </a:p>
           <a:p>
             <a:pPr>
               <a:lnSpc>
@@ -4127,16 +4382,6 @@
                 <a:tab algn="l" pos="0"/>
               </a:tabLst>
             </a:pPr>
-            <a:r>
-              <a:rPr b="0" lang="en" sz="2000" spc="-1" strike="noStrike">
-                <a:solidFill>
-                  <a:srgbClr val="ffffff"/>
-                </a:solidFill>
-                <a:latin typeface="Montserrat"/>
-                <a:ea typeface="Montserrat"/>
-              </a:rPr>
-              <a:t>Details on training ResNet-50 on a NVIDIA M40 GPU and the potential applications of DNNs in autonomous driving, oil and gas exploration, and medical imaging.</a:t>
-            </a:r>
             <a:endParaRPr b="0" lang="en-US" sz="2000" spc="-1" strike="noStrike">
               <a:latin typeface="Arial"/>
             </a:endParaRPr>
@@ -4174,14 +4419,14 @@
       </p:sp>
       <p:sp>
         <p:nvSpPr>
-          <p:cNvPr id="80" name="CustomShape 3"/>
+          <p:cNvPr id="89" name="CustomShape 3"/>
           <p:cNvSpPr/>
           <p:nvPr/>
         </p:nvSpPr>
         <p:spPr>
           <a:xfrm>
             <a:off x="1026360" y="414000"/>
-            <a:ext cx="2760840" cy="360"/>
+            <a:ext cx="2760480" cy="360"/>
           </a:xfrm>
           <a:custGeom>
             <a:avLst/>
@@ -4223,14 +4468,19 @@
       </p:sp>
     </p:spTree>
   </p:cSld>
-  <p:clrMapOvr>
-    <a:masterClrMapping/>
-  </p:clrMapOvr>
+  <mc:AlternateContent>
+    <mc:Choice Requires="p14">
+      <p:transition spd="slow" p14:dur="2000"/>
+    </mc:Choice>
+    <mc:Fallback>
+      <p:transition spd="slow"/>
+    </mc:Fallback>
+  </mc:AlternateContent>
 </p:sld>
 </file>
 
-<file path=ppt/slides/slide4.xml><?xml version="1.0" encoding="utf-8"?>
-<p:sld xmlns:a="http://schemas.openxmlformats.org/drawingml/2006/main" xmlns:p="http://schemas.openxmlformats.org/presentationml/2006/main" xmlns:r="http://schemas.openxmlformats.org/officeDocument/2006/relationships">
+<file path=ppt/slides/slide6.xml><?xml version="1.0" encoding="utf-8"?>
+<p:sld xmlns:a="http://schemas.openxmlformats.org/drawingml/2006/main" xmlns:p="http://schemas.openxmlformats.org/presentationml/2006/main" xmlns:r="http://schemas.openxmlformats.org/officeDocument/2006/relationships" xmlns:p14="http://schemas.microsoft.com/office/powerpoint/2010/main" xmlns:p15="http://schemas.microsoft.com/office/powerpoint/2012/main" xmlns:mc="http://schemas.openxmlformats.org/markup-compatibility/2006">
   <p:cSld>
     <p:spTree>
       <p:nvGrpSpPr>
@@ -4238,17 +4488,24 @@
         <p:cNvGrpSpPr/>
         <p:nvPr/>
       </p:nvGrpSpPr>
-      <p:grpSpPr/>
-      <p:sp>
-        <p:nvSpPr>
-          <p:cNvPr id="78" name="CustomShape 1"/>
+      <p:grpSpPr>
+        <a:xfrm>
+          <a:off x="0" y="0"/>
+          <a:ext cx="0" cy="0"/>
+          <a:chOff x="0" y="0"/>
+          <a:chExt cx="0" cy="0"/>
+        </a:xfrm>
+      </p:grpSpPr>
+      <p:sp>
+        <p:nvSpPr>
+          <p:cNvPr id="90" name="CustomShape 1"/>
           <p:cNvSpPr/>
           <p:nvPr/>
         </p:nvSpPr>
         <p:spPr>
           <a:xfrm>
             <a:off x="938520" y="444960"/>
-            <a:ext cx="5733720" cy="939240"/>
+            <a:ext cx="5733360" cy="938880"/>
           </a:xfrm>
           <a:prstGeom prst="rect">
             <a:avLst/>
@@ -4285,43 +4542,22 @@
                 <a:latin typeface="Montserrat ExtraBold"/>
                 <a:ea typeface="Montserrat ExtraBold"/>
               </a:rPr>
-              <a:t>Synchronous Stochastic Gradient Descent</a:t>
+              <a:t> </a:t>
+            </a:r>
+            <a:r>
+              <a:rPr b="0" lang="en" sz="2400" spc="-1" strike="noStrike">
+                <a:solidFill>
+                  <a:srgbClr val="ffab40"/>
+                </a:solidFill>
+                <a:latin typeface="Montserrat ExtraBold"/>
+                <a:ea typeface="Montserrat ExtraBold"/>
+              </a:rPr>
+              <a:t>Related Work: Synchronous Stochastic Gradient Descent and Other Optimization Techniques</a:t>
             </a:r>
             <a:endParaRPr b="0" lang="en-US" sz="2400" spc="-1" strike="noStrike">
               <a:latin typeface="Arial"/>
             </a:endParaRPr>
           </a:p>
-        </p:txBody>
-      </p:sp>
-      <p:sp>
-        <p:nvSpPr>
-          <p:cNvPr id="79" name="CustomShape 2"/>
-          <p:cNvSpPr/>
-          <p:nvPr/>
-        </p:nvSpPr>
-        <p:spPr>
-          <a:xfrm>
-            <a:off x="914400" y="1280160"/>
-            <a:ext cx="6924240" cy="2925000"/>
-          </a:xfrm>
-          <a:prstGeom prst="rect">
-            <a:avLst/>
-          </a:prstGeom>
-          <a:noFill/>
-          <a:ln>
-            <a:noFill/>
-          </a:ln>
-        </p:spPr>
-        <p:style>
-          <a:lnRef idx="0"/>
-          <a:fillRef idx="0"/>
-          <a:effectRef idx="0"/>
-          <a:fontRef idx="minor"/>
-        </p:style>
-        <p:txBody>
-          <a:bodyPr lIns="90000" rIns="90000" tIns="91440" bIns="91440">
-            <a:noAutofit/>
-          </a:bodyPr>
           <a:p>
             <a:pPr>
               <a:lnSpc>
@@ -4331,6 +4567,47 @@
                 <a:tab algn="l" pos="0"/>
               </a:tabLst>
             </a:pPr>
+            <a:endParaRPr b="0" lang="en-US" sz="2400" spc="-1" strike="noStrike">
+              <a:latin typeface="Arial"/>
+            </a:endParaRPr>
+          </a:p>
+        </p:txBody>
+      </p:sp>
+      <p:sp>
+        <p:nvSpPr>
+          <p:cNvPr id="91" name="CustomShape 2"/>
+          <p:cNvSpPr/>
+          <p:nvPr/>
+        </p:nvSpPr>
+        <p:spPr>
+          <a:xfrm>
+            <a:off x="914400" y="1280160"/>
+            <a:ext cx="6923880" cy="2924640"/>
+          </a:xfrm>
+          <a:prstGeom prst="rect">
+            <a:avLst/>
+          </a:prstGeom>
+          <a:noFill/>
+          <a:ln>
+            <a:noFill/>
+          </a:ln>
+        </p:spPr>
+        <p:style>
+          <a:lnRef idx="0"/>
+          <a:fillRef idx="0"/>
+          <a:effectRef idx="0"/>
+          <a:fontRef idx="minor"/>
+        </p:style>
+        <p:txBody>
+          <a:bodyPr lIns="90000" rIns="90000" tIns="91440" bIns="91440">
+            <a:noAutofit/>
+          </a:bodyPr>
+          <a:p>
+            <a:endParaRPr b="0" lang="en-US" sz="1800" spc="-1" strike="noStrike">
+              <a:latin typeface="Arial"/>
+            </a:endParaRPr>
+          </a:p>
+          <a:p>
             <a:r>
               <a:rPr b="0" lang="en" sz="2000" spc="-1" strike="noStrike">
                 <a:solidFill>
@@ -4339,8 +4616,41 @@
                 <a:latin typeface="Montserrat"/>
                 <a:ea typeface="Montserrat"/>
               </a:rPr>
-              <a:t>The use of synchronous SGD for scaling ImageNet training, including the need for increased batch sizes and the capabilities of the fastest supercomputer.</a:t>
+              <a:t>- Research on synchronous stochastic gradient descent for scaling deep learning models.</a:t>
             </a:r>
+            <a:endParaRPr b="0" lang="en-US" sz="2000" spc="-1" strike="noStrike">
+              <a:latin typeface="Arial"/>
+            </a:endParaRPr>
+          </a:p>
+          <a:p>
+            <a:r>
+              <a:rPr b="0" lang="en" sz="2000" spc="-1" strike="noStrike">
+                <a:solidFill>
+                  <a:srgbClr val="ffffff"/>
+                </a:solidFill>
+                <a:latin typeface="Montserrat"/>
+                <a:ea typeface="Montserrat"/>
+              </a:rPr>
+              <a:t>- Other optimization techniques used in large batch size training, such as Adam and RMSProp.</a:t>
+            </a:r>
+            <a:endParaRPr b="0" lang="en-US" sz="2000" spc="-1" strike="noStrike">
+              <a:latin typeface="Arial"/>
+            </a:endParaRPr>
+          </a:p>
+          <a:p>
+            <a:endParaRPr b="0" lang="en-US" sz="2000" spc="-1" strike="noStrike">
+              <a:latin typeface="Arial"/>
+            </a:endParaRPr>
+          </a:p>
+          <a:p>
+            <a:pPr>
+              <a:lnSpc>
+                <a:spcPct val="100000"/>
+              </a:lnSpc>
+              <a:tabLst>
+                <a:tab algn="l" pos="0"/>
+              </a:tabLst>
+            </a:pPr>
             <a:endParaRPr b="0" lang="en-US" sz="2000" spc="-1" strike="noStrike">
               <a:latin typeface="Arial"/>
             </a:endParaRPr>
@@ -4378,14 +4688,14 @@
       </p:sp>
       <p:sp>
         <p:nvSpPr>
-          <p:cNvPr id="80" name="CustomShape 3"/>
+          <p:cNvPr id="92" name="CustomShape 3"/>
           <p:cNvSpPr/>
           <p:nvPr/>
         </p:nvSpPr>
         <p:spPr>
           <a:xfrm>
             <a:off x="1026360" y="414000"/>
-            <a:ext cx="2760840" cy="360"/>
+            <a:ext cx="2760480" cy="360"/>
           </a:xfrm>
           <a:custGeom>
             <a:avLst/>
@@ -4427,14 +4737,19 @@
       </p:sp>
     </p:spTree>
   </p:cSld>
-  <p:clrMapOvr>
-    <a:masterClrMapping/>
-  </p:clrMapOvr>
+  <mc:AlternateContent>
+    <mc:Choice Requires="p14">
+      <p:transition spd="slow" p14:dur="2000"/>
+    </mc:Choice>
+    <mc:Fallback>
+      <p:transition spd="slow"/>
+    </mc:Fallback>
+  </mc:AlternateContent>
 </p:sld>
 </file>
 
-<file path=ppt/slides/slide5.xml><?xml version="1.0" encoding="utf-8"?>
-<p:sld xmlns:a="http://schemas.openxmlformats.org/drawingml/2006/main" xmlns:p="http://schemas.openxmlformats.org/presentationml/2006/main" xmlns:r="http://schemas.openxmlformats.org/officeDocument/2006/relationships">
+<file path=ppt/slides/slide7.xml><?xml version="1.0" encoding="utf-8"?>
+<p:sld xmlns:a="http://schemas.openxmlformats.org/drawingml/2006/main" xmlns:p="http://schemas.openxmlformats.org/presentationml/2006/main" xmlns:r="http://schemas.openxmlformats.org/officeDocument/2006/relationships" xmlns:p14="http://schemas.microsoft.com/office/powerpoint/2010/main" xmlns:p15="http://schemas.microsoft.com/office/powerpoint/2012/main" xmlns:mc="http://schemas.openxmlformats.org/markup-compatibility/2006">
   <p:cSld>
     <p:spTree>
       <p:nvGrpSpPr>
@@ -4442,17 +4757,24 @@
         <p:cNvGrpSpPr/>
         <p:nvPr/>
       </p:nvGrpSpPr>
-      <p:grpSpPr/>
-      <p:sp>
-        <p:nvSpPr>
-          <p:cNvPr id="78" name="CustomShape 1"/>
+      <p:grpSpPr>
+        <a:xfrm>
+          <a:off x="0" y="0"/>
+          <a:ext cx="0" cy="0"/>
+          <a:chOff x="0" y="0"/>
+          <a:chExt cx="0" cy="0"/>
+        </a:xfrm>
+      </p:grpSpPr>
+      <p:sp>
+        <p:nvSpPr>
+          <p:cNvPr id="93" name="CustomShape 1"/>
           <p:cNvSpPr/>
           <p:nvPr/>
         </p:nvSpPr>
         <p:spPr>
           <a:xfrm>
             <a:off x="938520" y="444960"/>
-            <a:ext cx="5733720" cy="939240"/>
+            <a:ext cx="5733360" cy="938880"/>
           </a:xfrm>
           <a:prstGeom prst="rect">
             <a:avLst/>
@@ -4489,7 +4811,17 @@
                 <a:latin typeface="Montserrat ExtraBold"/>
                 <a:ea typeface="Montserrat ExtraBold"/>
               </a:rPr>
-              <a:t>Scaling ResNet 50 and AlexNet</a:t>
+              <a:t> </a:t>
+            </a:r>
+            <a:r>
+              <a:rPr b="0" lang="en" sz="2400" spc="-1" strike="noStrike">
+                <a:solidFill>
+                  <a:srgbClr val="ffab40"/>
+                </a:solidFill>
+                <a:latin typeface="Montserrat ExtraBold"/>
+                <a:ea typeface="Montserrat ExtraBold"/>
+              </a:rPr>
+              <a:t>Conclusion: Algorithmic and System Design in Scaling Deep Learning Models</a:t>
             </a:r>
             <a:endParaRPr b="0" lang="en-US" sz="2400" spc="-1" strike="noStrike">
               <a:latin typeface="Arial"/>
@@ -4499,14 +4831,14 @@
       </p:sp>
       <p:sp>
         <p:nvSpPr>
-          <p:cNvPr id="79" name="CustomShape 2"/>
+          <p:cNvPr id="94" name="CustomShape 2"/>
           <p:cNvSpPr/>
           <p:nvPr/>
         </p:nvSpPr>
         <p:spPr>
           <a:xfrm>
             <a:off x="914400" y="1280160"/>
-            <a:ext cx="6924240" cy="2925000"/>
+            <a:ext cx="6923880" cy="2924640"/>
           </a:xfrm>
           <a:prstGeom prst="rect">
             <a:avLst/>
@@ -4526,6 +4858,26 @@
           <a:bodyPr lIns="90000" rIns="90000" tIns="91440" bIns="91440">
             <a:noAutofit/>
           </a:bodyPr>
+          <a:p>
+            <a:endParaRPr b="0" lang="en-US" sz="1800" spc="-1" strike="noStrike">
+              <a:latin typeface="Arial"/>
+            </a:endParaRPr>
+          </a:p>
+          <a:p>
+            <a:r>
+              <a:rPr b="0" lang="en" sz="2000" spc="-1" strike="noStrike">
+                <a:solidFill>
+                  <a:srgbClr val="ffffff"/>
+                </a:solidFill>
+                <a:latin typeface="Montserrat"/>
+                <a:ea typeface="Montserrat"/>
+              </a:rPr>
+              <a:t>- Importance of both algorithmic and system design in scaling deep learning models to handle larger datasets and achieve faster training times.</a:t>
+            </a:r>
+            <a:endParaRPr b="0" lang="en-US" sz="2000" spc="-1" strike="noStrike">
+              <a:latin typeface="Arial"/>
+            </a:endParaRPr>
+          </a:p>
           <a:p>
             <a:pPr>
               <a:lnSpc>
@@ -4543,7 +4895,7 @@
                 <a:latin typeface="Montserrat"/>
                 <a:ea typeface="Montserrat"/>
               </a:rPr>
-              <a:t>Scaling ResNet 50 to 256 Nvidia P100's with a batch size of 8K and training AlexNet with 74% accuracy on 2048 KNLs.</a:t>
+              <a:t>- Acknowledgment of contributions from various organizations and sponsors.</a:t>
             </a:r>
             <a:endParaRPr b="0" lang="en-US" sz="2000" spc="-1" strike="noStrike">
               <a:latin typeface="Arial"/>
@@ -4582,14 +4934,14 @@
       </p:sp>
       <p:sp>
         <p:nvSpPr>
-          <p:cNvPr id="80" name="CustomShape 3"/>
+          <p:cNvPr id="95" name="CustomShape 3"/>
           <p:cNvSpPr/>
           <p:nvPr/>
         </p:nvSpPr>
         <p:spPr>
           <a:xfrm>
             <a:off x="1026360" y="414000"/>
-            <a:ext cx="2760840" cy="360"/>
+            <a:ext cx="2760480" cy="360"/>
           </a:xfrm>
           <a:custGeom>
             <a:avLst/>
@@ -4631,825 +4983,14 @@
       </p:sp>
     </p:spTree>
   </p:cSld>
-  <p:clrMapOvr>
-    <a:masterClrMapping/>
-  </p:clrMapOvr>
-</p:sld>
-</file>
-
-<file path=ppt/slides/slide6.xml><?xml version="1.0" encoding="utf-8"?>
-<p:sld xmlns:a="http://schemas.openxmlformats.org/drawingml/2006/main" xmlns:p="http://schemas.openxmlformats.org/presentationml/2006/main" xmlns:r="http://schemas.openxmlformats.org/officeDocument/2006/relationships">
-  <p:cSld>
-    <p:spTree>
-      <p:nvGrpSpPr>
-        <p:cNvPr id="1" name=""/>
-        <p:cNvGrpSpPr/>
-        <p:nvPr/>
-      </p:nvGrpSpPr>
-      <p:grpSpPr/>
-      <p:sp>
-        <p:nvSpPr>
-          <p:cNvPr id="78" name="CustomShape 1"/>
-          <p:cNvSpPr/>
-          <p:nvPr/>
-        </p:nvSpPr>
-        <p:spPr>
-          <a:xfrm>
-            <a:off x="938520" y="444960"/>
-            <a:ext cx="5733720" cy="939240"/>
-          </a:xfrm>
-          <a:prstGeom prst="rect">
-            <a:avLst/>
-          </a:prstGeom>
-          <a:noFill/>
-          <a:ln>
-            <a:noFill/>
-          </a:ln>
-        </p:spPr>
-        <p:style>
-          <a:lnRef idx="0"/>
-          <a:fillRef idx="0"/>
-          <a:effectRef idx="0"/>
-          <a:fontRef idx="minor"/>
-        </p:style>
-        <p:txBody>
-          <a:bodyPr lIns="90000" rIns="90000" tIns="91440" bIns="91440">
-            <a:noAutofit/>
-          </a:bodyPr>
-          <a:p>
-            <a:pPr>
-              <a:lnSpc>
-                <a:spcPct val="100000"/>
-              </a:lnSpc>
-              <a:tabLst>
-                <a:tab algn="l" pos="0"/>
-              </a:tabLst>
-            </a:pPr>
-            <a:r>
-              <a:rPr b="0" lang="en" sz="2400" spc="-1" strike="noStrike">
-                <a:solidFill>
-                  <a:srgbClr val="ffab40"/>
-                </a:solidFill>
-                <a:latin typeface="Montserrat ExtraBold"/>
-                <a:ea typeface="Montserrat ExtraBold"/>
-              </a:rPr>
-              <a:t>Data Parallelism and Model Parallelism</a:t>
-            </a:r>
-            <a:endParaRPr b="0" lang="en-US" sz="2400" spc="-1" strike="noStrike">
-              <a:latin typeface="Arial"/>
-            </a:endParaRPr>
-          </a:p>
-        </p:txBody>
-      </p:sp>
-      <p:sp>
-        <p:nvSpPr>
-          <p:cNvPr id="79" name="CustomShape 2"/>
-          <p:cNvSpPr/>
-          <p:nvPr/>
-        </p:nvSpPr>
-        <p:spPr>
-          <a:xfrm>
-            <a:off x="914400" y="1280160"/>
-            <a:ext cx="6924240" cy="2925000"/>
-          </a:xfrm>
-          <a:prstGeom prst="rect">
-            <a:avLst/>
-          </a:prstGeom>
-          <a:noFill/>
-          <a:ln>
-            <a:noFill/>
-          </a:ln>
-        </p:spPr>
-        <p:style>
-          <a:lnRef idx="0"/>
-          <a:fillRef idx="0"/>
-          <a:effectRef idx="0"/>
-          <a:fontRef idx="minor"/>
-        </p:style>
-        <p:txBody>
-          <a:bodyPr lIns="90000" rIns="90000" tIns="91440" bIns="91440">
-            <a:noAutofit/>
-          </a:bodyPr>
-          <a:p>
-            <a:pPr>
-              <a:lnSpc>
-                <a:spcPct val="100000"/>
-              </a:lnSpc>
-              <a:tabLst>
-                <a:tab algn="l" pos="0"/>
-              </a:tabLst>
-            </a:pPr>
-            <a:r>
-              <a:rPr b="0" lang="en" sz="2000" spc="-1" strike="noStrike">
-                <a:solidFill>
-                  <a:srgbClr val="ffffff"/>
-                </a:solidFill>
-                <a:latin typeface="Montserrat"/>
-                <a:ea typeface="Montserrat"/>
-              </a:rPr>
-              <a:t>Exploring data parallelism and model parallelism in training large-scale deep neural networks on P machines/processors.</a:t>
-            </a:r>
-            <a:endParaRPr b="0" lang="en-US" sz="2000" spc="-1" strike="noStrike">
-              <a:latin typeface="Arial"/>
-            </a:endParaRPr>
-          </a:p>
-          <a:p>
-            <a:pPr>
-              <a:lnSpc>
-                <a:spcPct val="100000"/>
-              </a:lnSpc>
-              <a:tabLst>
-                <a:tab algn="l" pos="0"/>
-              </a:tabLst>
-            </a:pPr>
-            <a:endParaRPr b="0" lang="en-US" sz="2000" spc="-1" strike="noStrike">
-              <a:latin typeface="Arial"/>
-            </a:endParaRPr>
-          </a:p>
-          <a:p>
-            <a:pPr>
-              <a:lnSpc>
-                <a:spcPct val="100000"/>
-              </a:lnSpc>
-              <a:spcAft>
-                <a:spcPts val="1599"/>
-              </a:spcAft>
-              <a:tabLst>
-                <a:tab algn="l" pos="0"/>
-              </a:tabLst>
-            </a:pPr>
-            <a:endParaRPr b="0" lang="en-US" sz="2000" spc="-1" strike="noStrike">
-              <a:latin typeface="Arial"/>
-            </a:endParaRPr>
-          </a:p>
-        </p:txBody>
-      </p:sp>
-      <p:sp>
-        <p:nvSpPr>
-          <p:cNvPr id="80" name="CustomShape 3"/>
-          <p:cNvSpPr/>
-          <p:nvPr/>
-        </p:nvSpPr>
-        <p:spPr>
-          <a:xfrm>
-            <a:off x="1026360" y="414000"/>
-            <a:ext cx="2760840" cy="360"/>
-          </a:xfrm>
-          <a:custGeom>
-            <a:avLst/>
-            <a:gdLst/>
-            <a:ahLst/>
-            <a:rect l="l" t="t" r="r" b="b"/>
-            <a:pathLst>
-              <a:path w="21600" h="21600">
-                <a:moveTo>
-                  <a:pt x="0" y="0"/>
-                </a:moveTo>
-                <a:lnTo>
-                  <a:pt x="21600" y="21600"/>
-                </a:lnTo>
-              </a:path>
-            </a:pathLst>
-          </a:custGeom>
-          <a:noFill/>
-          <a:ln w="9360">
-            <a:solidFill>
-              <a:schemeClr val="accent1"/>
-            </a:solidFill>
-            <a:round/>
-          </a:ln>
-          <a:effectLst>
-            <a:outerShdw algn="bl" blurRad="57150" dir="5400000" dist="19080" rotWithShape="0">
-              <a:srgbClr val="ffffff">
-                <a:alpha val="50000"/>
-              </a:srgbClr>
-            </a:outerShdw>
-          </a:effectLst>
-        </p:spPr>
-        <p:style>
-          <a:lnRef idx="0"/>
-          <a:fillRef idx="0"/>
-          <a:effectRef idx="0"/>
-          <a:fontRef idx="minor"/>
-        </p:style>
-      </p:sp>
-    </p:spTree>
-  </p:cSld>
-  <p:clrMapOvr>
-    <a:masterClrMapping/>
-  </p:clrMapOvr>
-</p:sld>
-</file>
-
-<file path=ppt/slides/slide7.xml><?xml version="1.0" encoding="utf-8"?>
-<p:sld xmlns:a="http://schemas.openxmlformats.org/drawingml/2006/main" xmlns:p="http://schemas.openxmlformats.org/presentationml/2006/main" xmlns:r="http://schemas.openxmlformats.org/officeDocument/2006/relationships">
-  <p:cSld>
-    <p:spTree>
-      <p:nvGrpSpPr>
-        <p:cNvPr id="1" name=""/>
-        <p:cNvGrpSpPr/>
-        <p:nvPr/>
-      </p:nvGrpSpPr>
-      <p:grpSpPr/>
-      <p:sp>
-        <p:nvSpPr>
-          <p:cNvPr id="78" name="CustomShape 1"/>
-          <p:cNvSpPr/>
-          <p:nvPr/>
-        </p:nvSpPr>
-        <p:spPr>
-          <a:xfrm>
-            <a:off x="938520" y="444960"/>
-            <a:ext cx="5733720" cy="939240"/>
-          </a:xfrm>
-          <a:prstGeom prst="rect">
-            <a:avLst/>
-          </a:prstGeom>
-          <a:noFill/>
-          <a:ln>
-            <a:noFill/>
-          </a:ln>
-        </p:spPr>
-        <p:style>
-          <a:lnRef idx="0"/>
-          <a:fillRef idx="0"/>
-          <a:effectRef idx="0"/>
-          <a:fontRef idx="minor"/>
-        </p:style>
-        <p:txBody>
-          <a:bodyPr lIns="90000" rIns="90000" tIns="91440" bIns="91440">
-            <a:noAutofit/>
-          </a:bodyPr>
-          <a:p>
-            <a:pPr>
-              <a:lnSpc>
-                <a:spcPct val="100000"/>
-              </a:lnSpc>
-              <a:tabLst>
-                <a:tab algn="l" pos="0"/>
-              </a:tabLst>
-            </a:pPr>
-            <a:r>
-              <a:rPr b="0" lang="en" sz="2400" spc="-1" strike="noStrike">
-                <a:solidFill>
-                  <a:srgbClr val="ffab40"/>
-                </a:solidFill>
-                <a:latin typeface="Montserrat ExtraBold"/>
-                <a:ea typeface="Montserrat ExtraBold"/>
-              </a:rPr>
-              <a:t>Communication Approaches in Large Batch Training</a:t>
-            </a:r>
-            <a:endParaRPr b="0" lang="en-US" sz="2400" spc="-1" strike="noStrike">
-              <a:latin typeface="Arial"/>
-            </a:endParaRPr>
-          </a:p>
-        </p:txBody>
-      </p:sp>
-      <p:sp>
-        <p:nvSpPr>
-          <p:cNvPr id="79" name="CustomShape 2"/>
-          <p:cNvSpPr/>
-          <p:nvPr/>
-        </p:nvSpPr>
-        <p:spPr>
-          <a:xfrm>
-            <a:off x="914400" y="1280160"/>
-            <a:ext cx="6924240" cy="2925000"/>
-          </a:xfrm>
-          <a:prstGeom prst="rect">
-            <a:avLst/>
-          </a:prstGeom>
-          <a:noFill/>
-          <a:ln>
-            <a:noFill/>
-          </a:ln>
-        </p:spPr>
-        <p:style>
-          <a:lnRef idx="0"/>
-          <a:fillRef idx="0"/>
-          <a:effectRef idx="0"/>
-          <a:fontRef idx="minor"/>
-        </p:style>
-        <p:txBody>
-          <a:bodyPr lIns="90000" rIns="90000" tIns="91440" bIns="91440">
-            <a:noAutofit/>
-          </a:bodyPr>
-          <a:p>
-            <a:pPr>
-              <a:lnSpc>
-                <a:spcPct val="100000"/>
-              </a:lnSpc>
-              <a:tabLst>
-                <a:tab algn="l" pos="0"/>
-              </a:tabLst>
-            </a:pPr>
-            <a:r>
-              <a:rPr b="0" lang="en" sz="2000" spc="-1" strike="noStrike">
-                <a:solidFill>
-                  <a:srgbClr val="ffffff"/>
-                </a:solidFill>
-                <a:latin typeface="Montserrat"/>
-                <a:ea typeface="Montserrat"/>
-              </a:rPr>
-              <a:t>Understanding the communication requirements in large batch training and the usage of parameter servers in commercial applications.</a:t>
-            </a:r>
-            <a:endParaRPr b="0" lang="en-US" sz="2000" spc="-1" strike="noStrike">
-              <a:latin typeface="Arial"/>
-            </a:endParaRPr>
-          </a:p>
-          <a:p>
-            <a:pPr>
-              <a:lnSpc>
-                <a:spcPct val="100000"/>
-              </a:lnSpc>
-              <a:tabLst>
-                <a:tab algn="l" pos="0"/>
-              </a:tabLst>
-            </a:pPr>
-            <a:endParaRPr b="0" lang="en-US" sz="2000" spc="-1" strike="noStrike">
-              <a:latin typeface="Arial"/>
-            </a:endParaRPr>
-          </a:p>
-          <a:p>
-            <a:pPr>
-              <a:lnSpc>
-                <a:spcPct val="100000"/>
-              </a:lnSpc>
-              <a:spcAft>
-                <a:spcPts val="1599"/>
-              </a:spcAft>
-              <a:tabLst>
-                <a:tab algn="l" pos="0"/>
-              </a:tabLst>
-            </a:pPr>
-            <a:endParaRPr b="0" lang="en-US" sz="2000" spc="-1" strike="noStrike">
-              <a:latin typeface="Arial"/>
-            </a:endParaRPr>
-          </a:p>
-        </p:txBody>
-      </p:sp>
-      <p:sp>
-        <p:nvSpPr>
-          <p:cNvPr id="80" name="CustomShape 3"/>
-          <p:cNvSpPr/>
-          <p:nvPr/>
-        </p:nvSpPr>
-        <p:spPr>
-          <a:xfrm>
-            <a:off x="1026360" y="414000"/>
-            <a:ext cx="2760840" cy="360"/>
-          </a:xfrm>
-          <a:custGeom>
-            <a:avLst/>
-            <a:gdLst/>
-            <a:ahLst/>
-            <a:rect l="l" t="t" r="r" b="b"/>
-            <a:pathLst>
-              <a:path w="21600" h="21600">
-                <a:moveTo>
-                  <a:pt x="0" y="0"/>
-                </a:moveTo>
-                <a:lnTo>
-                  <a:pt x="21600" y="21600"/>
-                </a:lnTo>
-              </a:path>
-            </a:pathLst>
-          </a:custGeom>
-          <a:noFill/>
-          <a:ln w="9360">
-            <a:solidFill>
-              <a:schemeClr val="accent1"/>
-            </a:solidFill>
-            <a:round/>
-          </a:ln>
-          <a:effectLst>
-            <a:outerShdw algn="bl" blurRad="57150" dir="5400000" dist="19080" rotWithShape="0">
-              <a:srgbClr val="ffffff">
-                <a:alpha val="50000"/>
-              </a:srgbClr>
-            </a:outerShdw>
-          </a:effectLst>
-        </p:spPr>
-        <p:style>
-          <a:lnRef idx="0"/>
-          <a:fillRef idx="0"/>
-          <a:effectRef idx="0"/>
-          <a:fontRef idx="minor"/>
-        </p:style>
-      </p:sp>
-    </p:spTree>
-  </p:cSld>
-  <p:clrMapOvr>
-    <a:masterClrMapping/>
-  </p:clrMapOvr>
-</p:sld>
-</file>
-
-<file path=ppt/slides/slide8.xml><?xml version="1.0" encoding="utf-8"?>
-<p:sld xmlns:a="http://schemas.openxmlformats.org/drawingml/2006/main" xmlns:p="http://schemas.openxmlformats.org/presentationml/2006/main" xmlns:r="http://schemas.openxmlformats.org/officeDocument/2006/relationships">
-  <p:cSld>
-    <p:spTree>
-      <p:nvGrpSpPr>
-        <p:cNvPr id="1" name=""/>
-        <p:cNvGrpSpPr/>
-        <p:nvPr/>
-      </p:nvGrpSpPr>
-      <p:grpSpPr/>
-      <p:sp>
-        <p:nvSpPr>
-          <p:cNvPr id="78" name="CustomShape 1"/>
-          <p:cNvSpPr/>
-          <p:nvPr/>
-        </p:nvSpPr>
-        <p:spPr>
-          <a:xfrm>
-            <a:off x="938520" y="444960"/>
-            <a:ext cx="5733720" cy="939240"/>
-          </a:xfrm>
-          <a:prstGeom prst="rect">
-            <a:avLst/>
-          </a:prstGeom>
-          <a:noFill/>
-          <a:ln>
-            <a:noFill/>
-          </a:ln>
-        </p:spPr>
-        <p:style>
-          <a:lnRef idx="0"/>
-          <a:fillRef idx="0"/>
-          <a:effectRef idx="0"/>
-          <a:fontRef idx="minor"/>
-        </p:style>
-        <p:txBody>
-          <a:bodyPr lIns="90000" rIns="90000" tIns="91440" bIns="91440">
-            <a:noAutofit/>
-          </a:bodyPr>
-          <a:p>
-            <a:pPr>
-              <a:lnSpc>
-                <a:spcPct val="100000"/>
-              </a:lnSpc>
-              <a:tabLst>
-                <a:tab algn="l" pos="0"/>
-              </a:tabLst>
-            </a:pPr>
-            <a:r>
-              <a:rPr b="0" lang="en" sz="2400" spc="-1" strike="noStrike">
-                <a:solidFill>
-                  <a:srgbClr val="ffab40"/>
-                </a:solidFill>
-                <a:latin typeface="Montserrat ExtraBold"/>
-                <a:ea typeface="Montserrat ExtraBold"/>
-              </a:rPr>
-              <a:t>Performance Optimization with Large Batch Sizes</a:t>
-            </a:r>
-            <a:endParaRPr b="0" lang="en-US" sz="2400" spc="-1" strike="noStrike">
-              <a:latin typeface="Arial"/>
-            </a:endParaRPr>
-          </a:p>
-        </p:txBody>
-      </p:sp>
-      <p:sp>
-        <p:nvSpPr>
-          <p:cNvPr id="79" name="CustomShape 2"/>
-          <p:cNvSpPr/>
-          <p:nvPr/>
-        </p:nvSpPr>
-        <p:spPr>
-          <a:xfrm>
-            <a:off x="914400" y="1280160"/>
-            <a:ext cx="6924240" cy="2925000"/>
-          </a:xfrm>
-          <a:prstGeom prst="rect">
-            <a:avLst/>
-          </a:prstGeom>
-          <a:noFill/>
-          <a:ln>
-            <a:noFill/>
-          </a:ln>
-        </p:spPr>
-        <p:style>
-          <a:lnRef idx="0"/>
-          <a:fillRef idx="0"/>
-          <a:effectRef idx="0"/>
-          <a:fontRef idx="minor"/>
-        </p:style>
-        <p:txBody>
-          <a:bodyPr lIns="90000" rIns="90000" tIns="91440" bIns="91440">
-            <a:noAutofit/>
-          </a:bodyPr>
-          <a:p>
-            <a:pPr>
-              <a:lnSpc>
-                <a:spcPct val="100000"/>
-              </a:lnSpc>
-              <a:tabLst>
-                <a:tab algn="l" pos="0"/>
-              </a:tabLst>
-            </a:pPr>
-            <a:r>
-              <a:rPr b="0" lang="en" sz="2000" spc="-1" strike="noStrike">
-                <a:solidFill>
-                  <a:srgbClr val="ffffff"/>
-                </a:solidFill>
-                <a:latin typeface="Montserrat"/>
-                <a:ea typeface="Montserrat"/>
-              </a:rPr>
-              <a:t>Discussing the benefits of large batch sizes in improving algorithm scalability and communication efficiency in deep learning training.</a:t>
-            </a:r>
-            <a:endParaRPr b="0" lang="en-US" sz="2000" spc="-1" strike="noStrike">
-              <a:latin typeface="Arial"/>
-            </a:endParaRPr>
-          </a:p>
-          <a:p>
-            <a:pPr>
-              <a:lnSpc>
-                <a:spcPct val="100000"/>
-              </a:lnSpc>
-              <a:tabLst>
-                <a:tab algn="l" pos="0"/>
-              </a:tabLst>
-            </a:pPr>
-            <a:endParaRPr b="0" lang="en-US" sz="2000" spc="-1" strike="noStrike">
-              <a:latin typeface="Arial"/>
-            </a:endParaRPr>
-          </a:p>
-          <a:p>
-            <a:pPr>
-              <a:lnSpc>
-                <a:spcPct val="100000"/>
-              </a:lnSpc>
-              <a:spcAft>
-                <a:spcPts val="1599"/>
-              </a:spcAft>
-              <a:tabLst>
-                <a:tab algn="l" pos="0"/>
-              </a:tabLst>
-            </a:pPr>
-            <a:endParaRPr b="0" lang="en-US" sz="2000" spc="-1" strike="noStrike">
-              <a:latin typeface="Arial"/>
-            </a:endParaRPr>
-          </a:p>
-        </p:txBody>
-      </p:sp>
-      <p:sp>
-        <p:nvSpPr>
-          <p:cNvPr id="80" name="CustomShape 3"/>
-          <p:cNvSpPr/>
-          <p:nvPr/>
-        </p:nvSpPr>
-        <p:spPr>
-          <a:xfrm>
-            <a:off x="1026360" y="414000"/>
-            <a:ext cx="2760840" cy="360"/>
-          </a:xfrm>
-          <a:custGeom>
-            <a:avLst/>
-            <a:gdLst/>
-            <a:ahLst/>
-            <a:rect l="l" t="t" r="r" b="b"/>
-            <a:pathLst>
-              <a:path w="21600" h="21600">
-                <a:moveTo>
-                  <a:pt x="0" y="0"/>
-                </a:moveTo>
-                <a:lnTo>
-                  <a:pt x="21600" y="21600"/>
-                </a:lnTo>
-              </a:path>
-            </a:pathLst>
-          </a:custGeom>
-          <a:noFill/>
-          <a:ln w="9360">
-            <a:solidFill>
-              <a:schemeClr val="accent1"/>
-            </a:solidFill>
-            <a:round/>
-          </a:ln>
-          <a:effectLst>
-            <a:outerShdw algn="bl" blurRad="57150" dir="5400000" dist="19080" rotWithShape="0">
-              <a:srgbClr val="ffffff">
-                <a:alpha val="50000"/>
-              </a:srgbClr>
-            </a:outerShdw>
-          </a:effectLst>
-        </p:spPr>
-        <p:style>
-          <a:lnRef idx="0"/>
-          <a:fillRef idx="0"/>
-          <a:effectRef idx="0"/>
-          <a:fontRef idx="minor"/>
-        </p:style>
-      </p:sp>
-    </p:spTree>
-  </p:cSld>
-  <p:clrMapOvr>
-    <a:masterClrMapping/>
-  </p:clrMapOvr>
-</p:sld>
-</file>
-
-<file path=ppt/slides/slide9.xml><?xml version="1.0" encoding="utf-8"?>
-<p:sld xmlns:a="http://schemas.openxmlformats.org/drawingml/2006/main" xmlns:p="http://schemas.openxmlformats.org/presentationml/2006/main" xmlns:r="http://schemas.openxmlformats.org/officeDocument/2006/relationships">
-  <p:cSld>
-    <p:spTree>
-      <p:nvGrpSpPr>
-        <p:cNvPr id="1" name=""/>
-        <p:cNvGrpSpPr/>
-        <p:nvPr/>
-      </p:nvGrpSpPr>
-      <p:grpSpPr/>
-      <p:sp>
-        <p:nvSpPr>
-          <p:cNvPr id="78" name="CustomShape 1"/>
-          <p:cNvSpPr/>
-          <p:nvPr/>
-        </p:nvSpPr>
-        <p:spPr>
-          <a:xfrm>
-            <a:off x="938520" y="444960"/>
-            <a:ext cx="5733720" cy="939240"/>
-          </a:xfrm>
-          <a:prstGeom prst="rect">
-            <a:avLst/>
-          </a:prstGeom>
-          <a:noFill/>
-          <a:ln>
-            <a:noFill/>
-          </a:ln>
-        </p:spPr>
-        <p:style>
-          <a:lnRef idx="0"/>
-          <a:fillRef idx="0"/>
-          <a:effectRef idx="0"/>
-          <a:fontRef idx="minor"/>
-        </p:style>
-        <p:txBody>
-          <a:bodyPr lIns="90000" rIns="90000" tIns="91440" bIns="91440">
-            <a:noAutofit/>
-          </a:bodyPr>
-          <a:p>
-            <a:pPr>
-              <a:lnSpc>
-                <a:spcPct val="100000"/>
-              </a:lnSpc>
-              <a:tabLst>
-                <a:tab algn="l" pos="0"/>
-              </a:tabLst>
-            </a:pPr>
-            <a:r>
-              <a:rPr b="0" lang="en" sz="2400" spc="-1" strike="noStrike">
-                <a:solidFill>
-                  <a:srgbClr val="ffab40"/>
-                </a:solidFill>
-                <a:latin typeface="Montserrat ExtraBold"/>
-                <a:ea typeface="Montserrat ExtraBold"/>
-              </a:rPr>
-              <a:t>Practical Implementations and Results</a:t>
-            </a:r>
-            <a:endParaRPr b="0" lang="en-US" sz="2400" spc="-1" strike="noStrike">
-              <a:latin typeface="Arial"/>
-            </a:endParaRPr>
-          </a:p>
-        </p:txBody>
-      </p:sp>
-      <p:sp>
-        <p:nvSpPr>
-          <p:cNvPr id="79" name="CustomShape 2"/>
-          <p:cNvSpPr/>
-          <p:nvPr/>
-        </p:nvSpPr>
-        <p:spPr>
-          <a:xfrm>
-            <a:off x="914400" y="1280160"/>
-            <a:ext cx="6924240" cy="2925000"/>
-          </a:xfrm>
-          <a:prstGeom prst="rect">
-            <a:avLst/>
-          </a:prstGeom>
-          <a:noFill/>
-          <a:ln>
-            <a:noFill/>
-          </a:ln>
-        </p:spPr>
-        <p:style>
-          <a:lnRef idx="0"/>
-          <a:fillRef idx="0"/>
-          <a:effectRef idx="0"/>
-          <a:fontRef idx="minor"/>
-        </p:style>
-        <p:txBody>
-          <a:bodyPr lIns="90000" rIns="90000" tIns="91440" bIns="91440">
-            <a:noAutofit/>
-          </a:bodyPr>
-          <a:p>
-            <a:pPr>
-              <a:lnSpc>
-                <a:spcPct val="100000"/>
-              </a:lnSpc>
-              <a:tabLst>
-                <a:tab algn="l" pos="0"/>
-              </a:tabLst>
-            </a:pPr>
-            <a:r>
-              <a:rPr b="0" lang="en" sz="2000" spc="-1" strike="noStrike">
-                <a:solidFill>
-                  <a:srgbClr val="ffffff"/>
-                </a:solidFill>
-                <a:latin typeface="Montserrat"/>
-                <a:ea typeface="Montserrat"/>
-              </a:rPr>
-              <a:t>Sharing results and experiences from training AlexNet and ResNet models using various hardware platforms and batch sizes.</a:t>
-            </a:r>
-            <a:endParaRPr b="0" lang="en-US" sz="2000" spc="-1" strike="noStrike">
-              <a:latin typeface="Arial"/>
-            </a:endParaRPr>
-          </a:p>
-          <a:p>
-            <a:pPr>
-              <a:lnSpc>
-                <a:spcPct val="100000"/>
-              </a:lnSpc>
-              <a:tabLst>
-                <a:tab algn="l" pos="0"/>
-              </a:tabLst>
-            </a:pPr>
-            <a:endParaRPr b="0" lang="en-US" sz="2000" spc="-1" strike="noStrike">
-              <a:latin typeface="Arial"/>
-            </a:endParaRPr>
-          </a:p>
-          <a:p>
-            <a:pPr>
-              <a:lnSpc>
-                <a:spcPct val="100000"/>
-              </a:lnSpc>
-              <a:spcAft>
-                <a:spcPts val="1599"/>
-              </a:spcAft>
-              <a:tabLst>
-                <a:tab algn="l" pos="0"/>
-              </a:tabLst>
-            </a:pPr>
-            <a:endParaRPr b="0" lang="en-US" sz="2000" spc="-1" strike="noStrike">
-              <a:latin typeface="Arial"/>
-            </a:endParaRPr>
-          </a:p>
-        </p:txBody>
-      </p:sp>
-      <p:sp>
-        <p:nvSpPr>
-          <p:cNvPr id="80" name="CustomShape 3"/>
-          <p:cNvSpPr/>
-          <p:nvPr/>
-        </p:nvSpPr>
-        <p:spPr>
-          <a:xfrm>
-            <a:off x="1026360" y="414000"/>
-            <a:ext cx="2760840" cy="360"/>
-          </a:xfrm>
-          <a:custGeom>
-            <a:avLst/>
-            <a:gdLst/>
-            <a:ahLst/>
-            <a:rect l="l" t="t" r="r" b="b"/>
-            <a:pathLst>
-              <a:path w="21600" h="21600">
-                <a:moveTo>
-                  <a:pt x="0" y="0"/>
-                </a:moveTo>
-                <a:lnTo>
-                  <a:pt x="21600" y="21600"/>
-                </a:lnTo>
-              </a:path>
-            </a:pathLst>
-          </a:custGeom>
-          <a:noFill/>
-          <a:ln w="9360">
-            <a:solidFill>
-              <a:schemeClr val="accent1"/>
-            </a:solidFill>
-            <a:round/>
-          </a:ln>
-          <a:effectLst>
-            <a:outerShdw algn="bl" blurRad="57150" dir="5400000" dist="19080" rotWithShape="0">
-              <a:srgbClr val="ffffff">
-                <a:alpha val="50000"/>
-              </a:srgbClr>
-            </a:outerShdw>
-          </a:effectLst>
-        </p:spPr>
-        <p:style>
-          <a:lnRef idx="0"/>
-          <a:fillRef idx="0"/>
-          <a:effectRef idx="0"/>
-          <a:fontRef idx="minor"/>
-        </p:style>
-      </p:sp>
-    </p:spTree>
-  </p:cSld>
-  <p:clrMapOvr>
-    <a:masterClrMapping/>
-  </p:clrMapOvr>
+  <mc:AlternateContent>
+    <mc:Choice Requires="p14">
+      <p:transition spd="slow" p14:dur="2000"/>
+    </mc:Choice>
+    <mc:Fallback>
+      <p:transition spd="slow"/>
+    </mc:Fallback>
+  </mc:AlternateContent>
 </p:sld>
 </file>
 
